--- a/Slides/ggl011-SceneManager.pptx
+++ b/Slides/ggl011-SceneManager.pptx
@@ -215,7 +215,7 @@
             <a:fld id="{C0D025BB-35D5-419D-8ED2-E5EDB67F143A}" type="datetimeFigureOut">
               <a:rPr lang="en-US" smtClean="0"/>
               <a:pPr/>
-              <a:t>11/15/2019</a:t>
+              <a:t>10/19/2020</a:t>
             </a:fld>
             <a:endParaRPr lang="en-US"/>
           </a:p>
@@ -1213,7 +1213,7 @@
             <a:fld id="{77DAEA1A-6276-4434-840E-9C81C04BC3C1}" type="datetimeFigureOut">
               <a:rPr lang="en-US" smtClean="0"/>
               <a:pPr/>
-              <a:t>11/15/2019</a:t>
+              <a:t>10/19/2020</a:t>
             </a:fld>
             <a:endParaRPr lang="en-US"/>
           </a:p>
